--- a/Materialien/Powerpoint/Einfuehrung in Datenstrukturen.pptx
+++ b/Materialien/Powerpoint/Einfuehrung in Datenstrukturen.pptx
@@ -5,7 +5,7 @@
     <p:sldMasterId id="2147483660" r:id="rId1"/>
   </p:sldMasterIdLst>
   <p:notesMasterIdLst>
-    <p:notesMasterId r:id="rId9"/>
+    <p:notesMasterId r:id="rId8"/>
   </p:notesMasterIdLst>
   <p:sldIdLst>
     <p:sldId id="256" r:id="rId2"/>
@@ -14,7 +14,6 @@
     <p:sldId id="261" r:id="rId5"/>
     <p:sldId id="263" r:id="rId6"/>
     <p:sldId id="262" r:id="rId7"/>
-    <p:sldId id="264" r:id="rId8"/>
   </p:sldIdLst>
   <p:sldSz cx="12192000" cy="6858000"/>
   <p:notesSz cx="6858000" cy="9144000"/>
@@ -7054,20 +7053,6 @@
               </a:rPr>
               <a:t>Die Queue</a:t>
             </a:r>
-          </a:p>
-          <a:p>
-            <a:r>
-              <a:rPr lang="de-DE" sz="2400" dirty="0">
-                <a:solidFill>
-                  <a:schemeClr val="tx1">
-                    <a:lumMod val="95000"/>
-                  </a:schemeClr>
-                </a:solidFill>
-              </a:rPr>
-              <a:t>Der Stack</a:t>
-            </a:r>
-          </a:p>
-          <a:p>
             <a:endParaRPr lang="de-DE" sz="2000" dirty="0">
               <a:solidFill>
                 <a:schemeClr val="tx1">
@@ -7440,67 +7425,6 @@
                                           <p:spTgt spid="6">
                                             <p:txEl>
                                               <p:pRg st="3" end="3"/>
-                                            </p:txEl>
-                                          </p:spTgt>
-                                        </p:tgtEl>
-                                      </p:cBhvr>
-                                    </p:animEffect>
-                                  </p:childTnLst>
-                                </p:cTn>
-                              </p:par>
-                            </p:childTnLst>
-                          </p:cTn>
-                        </p:par>
-                      </p:childTnLst>
-                    </p:cTn>
-                  </p:par>
-                  <p:par>
-                    <p:cTn id="23" fill="hold">
-                      <p:stCondLst>
-                        <p:cond delay="indefinite"/>
-                      </p:stCondLst>
-                      <p:childTnLst>
-                        <p:par>
-                          <p:cTn id="24" fill="hold">
-                            <p:stCondLst>
-                              <p:cond delay="0"/>
-                            </p:stCondLst>
-                            <p:childTnLst>
-                              <p:par>
-                                <p:cTn id="25" presetID="10" presetClass="entr" presetSubtype="0" fill="hold" grpId="0" nodeType="clickEffect">
-                                  <p:stCondLst>
-                                    <p:cond delay="0"/>
-                                  </p:stCondLst>
-                                  <p:childTnLst>
-                                    <p:set>
-                                      <p:cBhvr>
-                                        <p:cTn id="26" dur="1" fill="hold">
-                                          <p:stCondLst>
-                                            <p:cond delay="0"/>
-                                          </p:stCondLst>
-                                        </p:cTn>
-                                        <p:tgtEl>
-                                          <p:spTgt spid="6">
-                                            <p:txEl>
-                                              <p:pRg st="4" end="4"/>
-                                            </p:txEl>
-                                          </p:spTgt>
-                                        </p:tgtEl>
-                                        <p:attrNameLst>
-                                          <p:attrName>style.visibility</p:attrName>
-                                        </p:attrNameLst>
-                                      </p:cBhvr>
-                                      <p:to>
-                                        <p:strVal val="visible"/>
-                                      </p:to>
-                                    </p:set>
-                                    <p:animEffect transition="in" filter="fade">
-                                      <p:cBhvr>
-                                        <p:cTn id="27" dur="500"/>
-                                        <p:tgtEl>
-                                          <p:spTgt spid="6">
-                                            <p:txEl>
-                                              <p:pRg st="4" end="4"/>
                                             </p:txEl>
                                           </p:spTgt>
                                         </p:tgtEl>
@@ -12196,1159 +12120,6 @@
 </p:sld>
 </file>
 
-<file path=ppt/slides/slide7.xml><?xml version="1.0" encoding="utf-8"?>
-<p:sld xmlns:a="http://schemas.openxmlformats.org/drawingml/2006/main" xmlns:r="http://schemas.openxmlformats.org/officeDocument/2006/relationships" xmlns:p="http://schemas.openxmlformats.org/presentationml/2006/main">
-  <p:cSld>
-    <p:spTree>
-      <p:nvGrpSpPr>
-        <p:cNvPr id="1" name=""/>
-        <p:cNvGrpSpPr/>
-        <p:nvPr/>
-      </p:nvGrpSpPr>
-      <p:grpSpPr>
-        <a:xfrm>
-          <a:off x="0" y="0"/>
-          <a:ext cx="0" cy="0"/>
-          <a:chOff x="0" y="0"/>
-          <a:chExt cx="0" cy="0"/>
-        </a:xfrm>
-      </p:grpSpPr>
-      <p:sp>
-        <p:nvSpPr>
-          <p:cNvPr id="5" name="Titel 4">
-            <a:extLst>
-              <a:ext uri="{FF2B5EF4-FFF2-40B4-BE49-F238E27FC236}">
-                <a16:creationId xmlns:a16="http://schemas.microsoft.com/office/drawing/2014/main" id="{BDF2C912-E02F-4E1F-82DF-351A88BA5B31}"/>
-              </a:ext>
-            </a:extLst>
-          </p:cNvPr>
-          <p:cNvSpPr>
-            <a:spLocks noGrp="1"/>
-          </p:cNvSpPr>
-          <p:nvPr>
-            <p:ph type="title"/>
-          </p:nvPr>
-        </p:nvSpPr>
-        <p:spPr>
-          <a:xfrm>
-            <a:off x="838200" y="365125"/>
-            <a:ext cx="7958667" cy="1137104"/>
-          </a:xfrm>
-        </p:spPr>
-        <p:txBody>
-          <a:bodyPr anchor="b">
-            <a:normAutofit/>
-          </a:bodyPr>
-          <a:lstStyle/>
-          <a:p>
-            <a:r>
-              <a:rPr lang="de-DE" sz="4400" dirty="0">
-                <a:solidFill>
-                  <a:schemeClr val="tx1">
-                    <a:lumMod val="95000"/>
-                  </a:schemeClr>
-                </a:solidFill>
-              </a:rPr>
-              <a:t>Der Stack</a:t>
-            </a:r>
-          </a:p>
-        </p:txBody>
-      </p:sp>
-      <p:sp>
-        <p:nvSpPr>
-          <p:cNvPr id="6" name="Inhaltsplatzhalter 5">
-            <a:extLst>
-              <a:ext uri="{FF2B5EF4-FFF2-40B4-BE49-F238E27FC236}">
-                <a16:creationId xmlns:a16="http://schemas.microsoft.com/office/drawing/2014/main" id="{67FD4DD5-46C1-4974-A569-BB95F27DCC4F}"/>
-              </a:ext>
-            </a:extLst>
-          </p:cNvPr>
-          <p:cNvSpPr>
-            <a:spLocks noGrp="1"/>
-          </p:cNvSpPr>
-          <p:nvPr>
-            <p:ph idx="1"/>
-          </p:nvPr>
-        </p:nvSpPr>
-        <p:spPr>
-          <a:xfrm>
-            <a:off x="838200" y="1825625"/>
-            <a:ext cx="8318499" cy="1874091"/>
-          </a:xfrm>
-        </p:spPr>
-        <p:txBody>
-          <a:bodyPr>
-            <a:normAutofit/>
-          </a:bodyPr>
-          <a:lstStyle/>
-          <a:p>
-            <a:pPr marL="0" indent="0">
-              <a:buNone/>
-            </a:pPr>
-            <a:r>
-              <a:rPr lang="de-DE" sz="2400" dirty="0">
-                <a:solidFill>
-                  <a:schemeClr val="tx1">
-                    <a:lumMod val="95000"/>
-                  </a:schemeClr>
-                </a:solidFill>
-              </a:rPr>
-              <a:t>Es handelt sich bei einem Stack (Stapelspeicher) ebenfalls um eine Datenstruktur, die eine Ähnlichkeit zur Liste aufweist. Die Implementierung eines Stacks kann auch mithilfe einer Liste vorgenommen werden. Bei Stacks gilt das LIFO-Prinzip (Last In, First Out).</a:t>
-            </a:r>
-            <a:endParaRPr lang="de-DE" sz="1600" dirty="0">
-              <a:solidFill>
-                <a:schemeClr val="tx1">
-                  <a:lumMod val="95000"/>
-                </a:schemeClr>
-              </a:solidFill>
-            </a:endParaRPr>
-          </a:p>
-        </p:txBody>
-      </p:sp>
-      <p:sp>
-        <p:nvSpPr>
-          <p:cNvPr id="7" name="Date Placeholder 3">
-            <a:extLst>
-              <a:ext uri="{FF2B5EF4-FFF2-40B4-BE49-F238E27FC236}">
-                <a16:creationId xmlns:a16="http://schemas.microsoft.com/office/drawing/2014/main" id="{18705B3C-262D-45A3-8C90-9FC26244A8CC}"/>
-              </a:ext>
-            </a:extLst>
-          </p:cNvPr>
-          <p:cNvSpPr>
-            <a:spLocks noGrp="1"/>
-          </p:cNvSpPr>
-          <p:nvPr>
-            <p:ph type="dt" sz="half" idx="10"/>
-          </p:nvPr>
-        </p:nvSpPr>
-        <p:spPr>
-          <a:xfrm>
-            <a:off x="838200" y="6356350"/>
-            <a:ext cx="2743200" cy="365125"/>
-          </a:xfrm>
-        </p:spPr>
-        <p:txBody>
-          <a:bodyPr/>
-          <a:lstStyle/>
-          <a:p>
-            <a:fld id="{D4AD37E9-5A10-49A7-855D-CAA2D2E848B6}" type="datetimeFigureOut">
-              <a:rPr lang="de-DE" smtClean="0"/>
-              <a:t>28.07.21</a:t>
-            </a:fld>
-            <a:endParaRPr lang="de-DE"/>
-          </a:p>
-        </p:txBody>
-      </p:sp>
-      <p:sp>
-        <p:nvSpPr>
-          <p:cNvPr id="8" name="Footer Placeholder 4">
-            <a:extLst>
-              <a:ext uri="{FF2B5EF4-FFF2-40B4-BE49-F238E27FC236}">
-                <a16:creationId xmlns:a16="http://schemas.microsoft.com/office/drawing/2014/main" id="{6833897F-8945-43C1-8EE1-2E83FF8331D9}"/>
-              </a:ext>
-            </a:extLst>
-          </p:cNvPr>
-          <p:cNvSpPr>
-            <a:spLocks noGrp="1"/>
-          </p:cNvSpPr>
-          <p:nvPr>
-            <p:ph type="ftr" sz="quarter" idx="11"/>
-          </p:nvPr>
-        </p:nvSpPr>
-        <p:spPr>
-          <a:xfrm>
-            <a:off x="4038600" y="6356350"/>
-            <a:ext cx="4114800" cy="365125"/>
-          </a:xfrm>
-        </p:spPr>
-        <p:txBody>
-          <a:bodyPr/>
-          <a:lstStyle/>
-          <a:p>
-            <a:r>
-              <a:rPr lang="de-DE" dirty="0">
-                <a:solidFill>
-                  <a:schemeClr val="tx1">
-                    <a:lumMod val="95000"/>
-                  </a:schemeClr>
-                </a:solidFill>
-              </a:rPr>
-              <a:t>Datenstrukturen </a:t>
-            </a:r>
-            <a:endParaRPr lang="en-US" sz="1200" dirty="0">
-              <a:solidFill>
-                <a:schemeClr val="tx1">
-                  <a:lumMod val="95000"/>
-                </a:schemeClr>
-              </a:solidFill>
-              <a:latin typeface="+mj-lt"/>
-            </a:endParaRPr>
-          </a:p>
-        </p:txBody>
-      </p:sp>
-      <p:sp>
-        <p:nvSpPr>
-          <p:cNvPr id="9" name="Slide Number Placeholder 5">
-            <a:extLst>
-              <a:ext uri="{FF2B5EF4-FFF2-40B4-BE49-F238E27FC236}">
-                <a16:creationId xmlns:a16="http://schemas.microsoft.com/office/drawing/2014/main" id="{4CB1546C-41E9-4CE9-A31D-18CB078FE5F0}"/>
-              </a:ext>
-            </a:extLst>
-          </p:cNvPr>
-          <p:cNvSpPr>
-            <a:spLocks noGrp="1"/>
-          </p:cNvSpPr>
-          <p:nvPr>
-            <p:ph type="sldNum" sz="quarter" idx="12"/>
-          </p:nvPr>
-        </p:nvSpPr>
-        <p:spPr>
-          <a:xfrm>
-            <a:off x="8610600" y="6356350"/>
-            <a:ext cx="2743200" cy="365125"/>
-          </a:xfrm>
-        </p:spPr>
-        <p:txBody>
-          <a:bodyPr/>
-          <a:lstStyle/>
-          <a:p>
-            <a:fld id="{312A73BE-F097-4DBB-AEB2-4CC070160BA0}" type="slidenum">
-              <a:rPr lang="de-DE" smtClean="0"/>
-              <a:t>7</a:t>
-            </a:fld>
-            <a:endParaRPr lang="de-DE" dirty="0"/>
-          </a:p>
-        </p:txBody>
-      </p:sp>
-      <p:sp>
-        <p:nvSpPr>
-          <p:cNvPr id="2" name="Rechteck 1">
-            <a:extLst>
-              <a:ext uri="{FF2B5EF4-FFF2-40B4-BE49-F238E27FC236}">
-                <a16:creationId xmlns:a16="http://schemas.microsoft.com/office/drawing/2014/main" id="{85E36978-FBAF-CC46-9FCA-4EBBDB5EBA4C}"/>
-              </a:ext>
-            </a:extLst>
-          </p:cNvPr>
-          <p:cNvSpPr/>
-          <p:nvPr/>
-        </p:nvSpPr>
-        <p:spPr>
-          <a:xfrm>
-            <a:off x="1851376" y="4298572"/>
-            <a:ext cx="1061156" cy="973454"/>
-          </a:xfrm>
-          <a:prstGeom prst="rect">
-            <a:avLst/>
-          </a:prstGeom>
-          <a:noFill/>
-          <a:ln w="28575">
-            <a:solidFill>
-              <a:schemeClr val="tx2">
-                <a:lumMod val="75000"/>
-              </a:schemeClr>
-            </a:solidFill>
-          </a:ln>
-        </p:spPr>
-        <p:style>
-          <a:lnRef idx="2">
-            <a:schemeClr val="accent6"/>
-          </a:lnRef>
-          <a:fillRef idx="1">
-            <a:schemeClr val="lt1"/>
-          </a:fillRef>
-          <a:effectRef idx="0">
-            <a:schemeClr val="accent6"/>
-          </a:effectRef>
-          <a:fontRef idx="minor">
-            <a:schemeClr val="dk1"/>
-          </a:fontRef>
-        </p:style>
-        <p:txBody>
-          <a:bodyPr rtlCol="0" anchor="ctr"/>
-          <a:lstStyle/>
-          <a:p>
-            <a:pPr algn="ctr"/>
-            <a:r>
-              <a:rPr lang="de-DE" sz="4800" dirty="0">
-                <a:solidFill>
-                  <a:schemeClr val="tx1">
-                    <a:lumMod val="95000"/>
-                  </a:schemeClr>
-                </a:solidFill>
-                <a:latin typeface="Consolas" panose="020B0609020204030204" pitchFamily="49" charset="0"/>
-                <a:cs typeface="Consolas" panose="020B0609020204030204" pitchFamily="49" charset="0"/>
-              </a:rPr>
-              <a:t>10</a:t>
-            </a:r>
-            <a:endParaRPr lang="de-DE" dirty="0">
-              <a:solidFill>
-                <a:schemeClr val="tx1">
-                  <a:lumMod val="95000"/>
-                </a:schemeClr>
-              </a:solidFill>
-              <a:latin typeface="Consolas" panose="020B0609020204030204" pitchFamily="49" charset="0"/>
-              <a:cs typeface="Consolas" panose="020B0609020204030204" pitchFamily="49" charset="0"/>
-            </a:endParaRPr>
-          </a:p>
-        </p:txBody>
-      </p:sp>
-      <p:sp>
-        <p:nvSpPr>
-          <p:cNvPr id="50" name="Rechteck 49">
-            <a:extLst>
-              <a:ext uri="{FF2B5EF4-FFF2-40B4-BE49-F238E27FC236}">
-                <a16:creationId xmlns:a16="http://schemas.microsoft.com/office/drawing/2014/main" id="{6B56277B-5B68-224E-951C-A61FC5E73CF5}"/>
-              </a:ext>
-            </a:extLst>
-          </p:cNvPr>
-          <p:cNvSpPr/>
-          <p:nvPr/>
-        </p:nvSpPr>
-        <p:spPr>
-          <a:xfrm>
-            <a:off x="2912532" y="4298572"/>
-            <a:ext cx="1061156" cy="973454"/>
-          </a:xfrm>
-          <a:prstGeom prst="rect">
-            <a:avLst/>
-          </a:prstGeom>
-          <a:noFill/>
-          <a:ln w="28575">
-            <a:solidFill>
-              <a:schemeClr val="tx2">
-                <a:lumMod val="75000"/>
-              </a:schemeClr>
-            </a:solidFill>
-          </a:ln>
-        </p:spPr>
-        <p:style>
-          <a:lnRef idx="2">
-            <a:schemeClr val="accent6"/>
-          </a:lnRef>
-          <a:fillRef idx="1">
-            <a:schemeClr val="lt1"/>
-          </a:fillRef>
-          <a:effectRef idx="0">
-            <a:schemeClr val="accent6"/>
-          </a:effectRef>
-          <a:fontRef idx="minor">
-            <a:schemeClr val="dk1"/>
-          </a:fontRef>
-        </p:style>
-        <p:txBody>
-          <a:bodyPr rtlCol="0" anchor="ctr"/>
-          <a:lstStyle/>
-          <a:p>
-            <a:pPr algn="ctr"/>
-            <a:r>
-              <a:rPr lang="de-DE" sz="4800" dirty="0">
-                <a:solidFill>
-                  <a:schemeClr val="tx1">
-                    <a:lumMod val="95000"/>
-                  </a:schemeClr>
-                </a:solidFill>
-                <a:latin typeface="Consolas" panose="020B0609020204030204" pitchFamily="49" charset="0"/>
-                <a:cs typeface="Consolas" panose="020B0609020204030204" pitchFamily="49" charset="0"/>
-              </a:rPr>
-              <a:t>55</a:t>
-            </a:r>
-            <a:endParaRPr lang="de-DE" dirty="0">
-              <a:solidFill>
-                <a:schemeClr val="tx1">
-                  <a:lumMod val="95000"/>
-                </a:schemeClr>
-              </a:solidFill>
-              <a:latin typeface="Consolas" panose="020B0609020204030204" pitchFamily="49" charset="0"/>
-              <a:cs typeface="Consolas" panose="020B0609020204030204" pitchFamily="49" charset="0"/>
-            </a:endParaRPr>
-          </a:p>
-        </p:txBody>
-      </p:sp>
-      <p:sp>
-        <p:nvSpPr>
-          <p:cNvPr id="54" name="Rechteck 53">
-            <a:extLst>
-              <a:ext uri="{FF2B5EF4-FFF2-40B4-BE49-F238E27FC236}">
-                <a16:creationId xmlns:a16="http://schemas.microsoft.com/office/drawing/2014/main" id="{E237C989-3895-6E42-A2D8-CCA435FCB31D}"/>
-              </a:ext>
-            </a:extLst>
-          </p:cNvPr>
-          <p:cNvSpPr/>
-          <p:nvPr/>
-        </p:nvSpPr>
-        <p:spPr>
-          <a:xfrm>
-            <a:off x="3973688" y="4298572"/>
-            <a:ext cx="1061156" cy="973454"/>
-          </a:xfrm>
-          <a:prstGeom prst="rect">
-            <a:avLst/>
-          </a:prstGeom>
-          <a:noFill/>
-          <a:ln w="28575">
-            <a:solidFill>
-              <a:schemeClr val="tx2">
-                <a:lumMod val="75000"/>
-              </a:schemeClr>
-            </a:solidFill>
-          </a:ln>
-        </p:spPr>
-        <p:style>
-          <a:lnRef idx="2">
-            <a:schemeClr val="accent6"/>
-          </a:lnRef>
-          <a:fillRef idx="1">
-            <a:schemeClr val="lt1"/>
-          </a:fillRef>
-          <a:effectRef idx="0">
-            <a:schemeClr val="accent6"/>
-          </a:effectRef>
-          <a:fontRef idx="minor">
-            <a:schemeClr val="dk1"/>
-          </a:fontRef>
-        </p:style>
-        <p:txBody>
-          <a:bodyPr rtlCol="0" anchor="ctr"/>
-          <a:lstStyle/>
-          <a:p>
-            <a:pPr algn="ctr"/>
-            <a:r>
-              <a:rPr lang="de-DE" sz="4800" dirty="0">
-                <a:solidFill>
-                  <a:schemeClr val="tx1">
-                    <a:lumMod val="95000"/>
-                  </a:schemeClr>
-                </a:solidFill>
-                <a:latin typeface="Consolas" panose="020B0609020204030204" pitchFamily="49" charset="0"/>
-                <a:cs typeface="Consolas" panose="020B0609020204030204" pitchFamily="49" charset="0"/>
-              </a:rPr>
-              <a:t>1</a:t>
-            </a:r>
-            <a:endParaRPr lang="de-DE" dirty="0">
-              <a:solidFill>
-                <a:schemeClr val="tx1">
-                  <a:lumMod val="95000"/>
-                </a:schemeClr>
-              </a:solidFill>
-              <a:latin typeface="Consolas" panose="020B0609020204030204" pitchFamily="49" charset="0"/>
-              <a:cs typeface="Consolas" panose="020B0609020204030204" pitchFamily="49" charset="0"/>
-            </a:endParaRPr>
-          </a:p>
-        </p:txBody>
-      </p:sp>
-      <p:grpSp>
-        <p:nvGrpSpPr>
-          <p:cNvPr id="57" name="Gruppieren 56">
-            <a:extLst>
-              <a:ext uri="{FF2B5EF4-FFF2-40B4-BE49-F238E27FC236}">
-                <a16:creationId xmlns:a16="http://schemas.microsoft.com/office/drawing/2014/main" id="{61F04ABB-DA37-354C-AB26-2EFD3688EF70}"/>
-              </a:ext>
-            </a:extLst>
-          </p:cNvPr>
-          <p:cNvGrpSpPr/>
-          <p:nvPr/>
-        </p:nvGrpSpPr>
-        <p:grpSpPr>
-          <a:xfrm>
-            <a:off x="5034844" y="4298573"/>
-            <a:ext cx="1061156" cy="1931114"/>
-            <a:chOff x="1309511" y="4113906"/>
-            <a:chExt cx="1061156" cy="1931114"/>
-          </a:xfrm>
-        </p:grpSpPr>
-        <p:sp>
-          <p:nvSpPr>
-            <p:cNvPr id="58" name="Rechteck 57">
-              <a:extLst>
-                <a:ext uri="{FF2B5EF4-FFF2-40B4-BE49-F238E27FC236}">
-                  <a16:creationId xmlns:a16="http://schemas.microsoft.com/office/drawing/2014/main" id="{DEEBEDEC-7EDD-E649-983A-147AD435F4D9}"/>
-                </a:ext>
-              </a:extLst>
-            </p:cNvPr>
-            <p:cNvSpPr/>
-            <p:nvPr/>
-          </p:nvSpPr>
-          <p:spPr>
-            <a:xfrm>
-              <a:off x="1309511" y="4113906"/>
-              <a:ext cx="1061156" cy="973454"/>
-            </a:xfrm>
-            <a:prstGeom prst="rect">
-              <a:avLst/>
-            </a:prstGeom>
-            <a:noFill/>
-            <a:ln w="28575">
-              <a:solidFill>
-                <a:schemeClr val="tx2">
-                  <a:lumMod val="75000"/>
-                </a:schemeClr>
-              </a:solidFill>
-            </a:ln>
-          </p:spPr>
-          <p:style>
-            <a:lnRef idx="2">
-              <a:schemeClr val="accent6"/>
-            </a:lnRef>
-            <a:fillRef idx="1">
-              <a:schemeClr val="lt1"/>
-            </a:fillRef>
-            <a:effectRef idx="0">
-              <a:schemeClr val="accent6"/>
-            </a:effectRef>
-            <a:fontRef idx="minor">
-              <a:schemeClr val="dk1"/>
-            </a:fontRef>
-          </p:style>
-          <p:txBody>
-            <a:bodyPr rtlCol="0" anchor="ctr"/>
-            <a:lstStyle/>
-            <a:p>
-              <a:pPr algn="ctr"/>
-              <a:r>
-                <a:rPr lang="de-DE" sz="4800" dirty="0">
-                  <a:solidFill>
-                    <a:schemeClr val="tx1">
-                      <a:lumMod val="95000"/>
-                    </a:schemeClr>
-                  </a:solidFill>
-                  <a:latin typeface="Consolas" panose="020B0609020204030204" pitchFamily="49" charset="0"/>
-                  <a:cs typeface="Consolas" panose="020B0609020204030204" pitchFamily="49" charset="0"/>
-                </a:rPr>
-                <a:t>77</a:t>
-              </a:r>
-              <a:endParaRPr lang="de-DE" dirty="0">
-                <a:solidFill>
-                  <a:schemeClr val="tx1">
-                    <a:lumMod val="95000"/>
-                  </a:schemeClr>
-                </a:solidFill>
-                <a:latin typeface="Consolas" panose="020B0609020204030204" pitchFamily="49" charset="0"/>
-                <a:cs typeface="Consolas" panose="020B0609020204030204" pitchFamily="49" charset="0"/>
-              </a:endParaRPr>
-            </a:p>
-          </p:txBody>
-        </p:sp>
-        <p:sp>
-          <p:nvSpPr>
-            <p:cNvPr id="60" name="Textfeld 59">
-              <a:extLst>
-                <a:ext uri="{FF2B5EF4-FFF2-40B4-BE49-F238E27FC236}">
-                  <a16:creationId xmlns:a16="http://schemas.microsoft.com/office/drawing/2014/main" id="{71F4FDF0-BF82-6A4D-AB82-DA3887954BA9}"/>
-                </a:ext>
-              </a:extLst>
-            </p:cNvPr>
-            <p:cNvSpPr txBox="1"/>
-            <p:nvPr/>
-          </p:nvSpPr>
-          <p:spPr>
-            <a:xfrm>
-              <a:off x="1494481" y="5398689"/>
-              <a:ext cx="184731" cy="646331"/>
-            </a:xfrm>
-            <a:prstGeom prst="rect">
-              <a:avLst/>
-            </a:prstGeom>
-            <a:noFill/>
-          </p:spPr>
-          <p:txBody>
-            <a:bodyPr wrap="none" rtlCol="0">
-              <a:spAutoFit/>
-            </a:bodyPr>
-            <a:lstStyle/>
-            <a:p>
-              <a:endParaRPr lang="de-DE" sz="3600" dirty="0">
-                <a:latin typeface="Consolas" panose="020B0609020204030204" pitchFamily="49" charset="0"/>
-                <a:cs typeface="Consolas" panose="020B0609020204030204" pitchFamily="49" charset="0"/>
-              </a:endParaRPr>
-            </a:p>
-          </p:txBody>
-        </p:sp>
-      </p:grpSp>
-      <p:sp>
-        <p:nvSpPr>
-          <p:cNvPr id="62" name="Rechteck 61">
-            <a:extLst>
-              <a:ext uri="{FF2B5EF4-FFF2-40B4-BE49-F238E27FC236}">
-                <a16:creationId xmlns:a16="http://schemas.microsoft.com/office/drawing/2014/main" id="{12B1BAFF-5C8F-E64E-BE7E-C19DC2EBC1D2}"/>
-              </a:ext>
-            </a:extLst>
-          </p:cNvPr>
-          <p:cNvSpPr/>
-          <p:nvPr/>
-        </p:nvSpPr>
-        <p:spPr>
-          <a:xfrm>
-            <a:off x="6101632" y="4298572"/>
-            <a:ext cx="1061156" cy="973454"/>
-          </a:xfrm>
-          <a:prstGeom prst="rect">
-            <a:avLst/>
-          </a:prstGeom>
-          <a:noFill/>
-          <a:ln w="28575">
-            <a:solidFill>
-              <a:schemeClr val="tx2">
-                <a:lumMod val="75000"/>
-              </a:schemeClr>
-            </a:solidFill>
-          </a:ln>
-        </p:spPr>
-        <p:style>
-          <a:lnRef idx="2">
-            <a:schemeClr val="accent6"/>
-          </a:lnRef>
-          <a:fillRef idx="1">
-            <a:schemeClr val="lt1"/>
-          </a:fillRef>
-          <a:effectRef idx="0">
-            <a:schemeClr val="accent6"/>
-          </a:effectRef>
-          <a:fontRef idx="minor">
-            <a:schemeClr val="dk1"/>
-          </a:fontRef>
-        </p:style>
-        <p:txBody>
-          <a:bodyPr rtlCol="0" anchor="ctr"/>
-          <a:lstStyle/>
-          <a:p>
-            <a:pPr algn="ctr"/>
-            <a:r>
-              <a:rPr lang="de-DE" sz="4800" dirty="0">
-                <a:solidFill>
-                  <a:schemeClr val="tx1">
-                    <a:lumMod val="95000"/>
-                  </a:schemeClr>
-                </a:solidFill>
-                <a:latin typeface="Consolas" panose="020B0609020204030204" pitchFamily="49" charset="0"/>
-                <a:cs typeface="Consolas" panose="020B0609020204030204" pitchFamily="49" charset="0"/>
-              </a:rPr>
-              <a:t>23</a:t>
-            </a:r>
-            <a:endParaRPr lang="de-DE" dirty="0">
-              <a:solidFill>
-                <a:schemeClr val="tx1">
-                  <a:lumMod val="95000"/>
-                </a:schemeClr>
-              </a:solidFill>
-              <a:latin typeface="Consolas" panose="020B0609020204030204" pitchFamily="49" charset="0"/>
-              <a:cs typeface="Consolas" panose="020B0609020204030204" pitchFamily="49" charset="0"/>
-            </a:endParaRPr>
-          </a:p>
-        </p:txBody>
-      </p:sp>
-      <p:sp>
-        <p:nvSpPr>
-          <p:cNvPr id="66" name="Rechteck 65">
-            <a:extLst>
-              <a:ext uri="{FF2B5EF4-FFF2-40B4-BE49-F238E27FC236}">
-                <a16:creationId xmlns:a16="http://schemas.microsoft.com/office/drawing/2014/main" id="{A691F1E6-219B-B946-AA05-22CAEA441283}"/>
-              </a:ext>
-            </a:extLst>
-          </p:cNvPr>
-          <p:cNvSpPr/>
-          <p:nvPr/>
-        </p:nvSpPr>
-        <p:spPr>
-          <a:xfrm>
-            <a:off x="7168420" y="4298572"/>
-            <a:ext cx="1061156" cy="973454"/>
-          </a:xfrm>
-          <a:prstGeom prst="rect">
-            <a:avLst/>
-          </a:prstGeom>
-          <a:noFill/>
-          <a:ln w="28575">
-            <a:solidFill>
-              <a:schemeClr val="tx2">
-                <a:lumMod val="75000"/>
-              </a:schemeClr>
-            </a:solidFill>
-          </a:ln>
-        </p:spPr>
-        <p:style>
-          <a:lnRef idx="2">
-            <a:schemeClr val="accent6"/>
-          </a:lnRef>
-          <a:fillRef idx="1">
-            <a:schemeClr val="lt1"/>
-          </a:fillRef>
-          <a:effectRef idx="0">
-            <a:schemeClr val="accent6"/>
-          </a:effectRef>
-          <a:fontRef idx="minor">
-            <a:schemeClr val="dk1"/>
-          </a:fontRef>
-        </p:style>
-        <p:txBody>
-          <a:bodyPr rtlCol="0" anchor="ctr"/>
-          <a:lstStyle/>
-          <a:p>
-            <a:pPr algn="ctr"/>
-            <a:r>
-              <a:rPr lang="de-DE" sz="4800" dirty="0">
-                <a:solidFill>
-                  <a:schemeClr val="tx1">
-                    <a:lumMod val="95000"/>
-                  </a:schemeClr>
-                </a:solidFill>
-                <a:latin typeface="Consolas" panose="020B0609020204030204" pitchFamily="49" charset="0"/>
-                <a:cs typeface="Consolas" panose="020B0609020204030204" pitchFamily="49" charset="0"/>
-              </a:rPr>
-              <a:t>13</a:t>
-            </a:r>
-            <a:endParaRPr lang="de-DE" dirty="0">
-              <a:solidFill>
-                <a:schemeClr val="tx1">
-                  <a:lumMod val="95000"/>
-                </a:schemeClr>
-              </a:solidFill>
-              <a:latin typeface="Consolas" panose="020B0609020204030204" pitchFamily="49" charset="0"/>
-              <a:cs typeface="Consolas" panose="020B0609020204030204" pitchFamily="49" charset="0"/>
-            </a:endParaRPr>
-          </a:p>
-        </p:txBody>
-      </p:sp>
-      <p:sp>
-        <p:nvSpPr>
-          <p:cNvPr id="70" name="Rechteck 69">
-            <a:extLst>
-              <a:ext uri="{FF2B5EF4-FFF2-40B4-BE49-F238E27FC236}">
-                <a16:creationId xmlns:a16="http://schemas.microsoft.com/office/drawing/2014/main" id="{3BA15C24-E84E-AA4E-9660-9295DE2FD6FE}"/>
-              </a:ext>
-            </a:extLst>
-          </p:cNvPr>
-          <p:cNvSpPr/>
-          <p:nvPr/>
-        </p:nvSpPr>
-        <p:spPr>
-          <a:xfrm>
-            <a:off x="8229576" y="4298572"/>
-            <a:ext cx="1061156" cy="973454"/>
-          </a:xfrm>
-          <a:prstGeom prst="rect">
-            <a:avLst/>
-          </a:prstGeom>
-          <a:noFill/>
-          <a:ln w="28575">
-            <a:solidFill>
-              <a:schemeClr val="tx2">
-                <a:lumMod val="75000"/>
-              </a:schemeClr>
-            </a:solidFill>
-          </a:ln>
-        </p:spPr>
-        <p:style>
-          <a:lnRef idx="2">
-            <a:schemeClr val="accent6"/>
-          </a:lnRef>
-          <a:fillRef idx="1">
-            <a:schemeClr val="lt1"/>
-          </a:fillRef>
-          <a:effectRef idx="0">
-            <a:schemeClr val="accent6"/>
-          </a:effectRef>
-          <a:fontRef idx="minor">
-            <a:schemeClr val="dk1"/>
-          </a:fontRef>
-        </p:style>
-        <p:txBody>
-          <a:bodyPr rtlCol="0" anchor="ctr"/>
-          <a:lstStyle/>
-          <a:p>
-            <a:pPr algn="ctr"/>
-            <a:r>
-              <a:rPr lang="de-DE" sz="4800" dirty="0">
-                <a:solidFill>
-                  <a:schemeClr val="tx1">
-                    <a:lumMod val="95000"/>
-                  </a:schemeClr>
-                </a:solidFill>
-                <a:latin typeface="Consolas" panose="020B0609020204030204" pitchFamily="49" charset="0"/>
-                <a:cs typeface="Consolas" panose="020B0609020204030204" pitchFamily="49" charset="0"/>
-              </a:rPr>
-              <a:t>8</a:t>
-            </a:r>
-            <a:endParaRPr lang="de-DE" dirty="0">
-              <a:solidFill>
-                <a:schemeClr val="tx1">
-                  <a:lumMod val="95000"/>
-                </a:schemeClr>
-              </a:solidFill>
-              <a:latin typeface="Consolas" panose="020B0609020204030204" pitchFamily="49" charset="0"/>
-              <a:cs typeface="Consolas" panose="020B0609020204030204" pitchFamily="49" charset="0"/>
-            </a:endParaRPr>
-          </a:p>
-        </p:txBody>
-      </p:sp>
-      <p:sp>
-        <p:nvSpPr>
-          <p:cNvPr id="74" name="Rechteck 73">
-            <a:extLst>
-              <a:ext uri="{FF2B5EF4-FFF2-40B4-BE49-F238E27FC236}">
-                <a16:creationId xmlns:a16="http://schemas.microsoft.com/office/drawing/2014/main" id="{6B23333F-894E-E04D-9185-47AC53E1E92E}"/>
-              </a:ext>
-            </a:extLst>
-          </p:cNvPr>
-          <p:cNvSpPr/>
-          <p:nvPr/>
-        </p:nvSpPr>
-        <p:spPr>
-          <a:xfrm>
-            <a:off x="9296364" y="4298572"/>
-            <a:ext cx="1061156" cy="973454"/>
-          </a:xfrm>
-          <a:prstGeom prst="rect">
-            <a:avLst/>
-          </a:prstGeom>
-          <a:noFill/>
-          <a:ln w="28575">
-            <a:solidFill>
-              <a:schemeClr val="tx2">
-                <a:lumMod val="75000"/>
-              </a:schemeClr>
-            </a:solidFill>
-          </a:ln>
-        </p:spPr>
-        <p:style>
-          <a:lnRef idx="2">
-            <a:schemeClr val="accent6"/>
-          </a:lnRef>
-          <a:fillRef idx="1">
-            <a:schemeClr val="lt1"/>
-          </a:fillRef>
-          <a:effectRef idx="0">
-            <a:schemeClr val="accent6"/>
-          </a:effectRef>
-          <a:fontRef idx="minor">
-            <a:schemeClr val="dk1"/>
-          </a:fontRef>
-        </p:style>
-        <p:txBody>
-          <a:bodyPr rtlCol="0" anchor="ctr"/>
-          <a:lstStyle/>
-          <a:p>
-            <a:pPr algn="ctr"/>
-            <a:r>
-              <a:rPr lang="de-DE" sz="4800" dirty="0">
-                <a:solidFill>
-                  <a:schemeClr val="tx1">
-                    <a:lumMod val="95000"/>
-                  </a:schemeClr>
-                </a:solidFill>
-                <a:latin typeface="Consolas" panose="020B0609020204030204" pitchFamily="49" charset="0"/>
-                <a:cs typeface="Consolas" panose="020B0609020204030204" pitchFamily="49" charset="0"/>
-              </a:rPr>
-              <a:t>99</a:t>
-            </a:r>
-            <a:endParaRPr lang="de-DE" dirty="0">
-              <a:solidFill>
-                <a:schemeClr val="tx1">
-                  <a:lumMod val="95000"/>
-                </a:schemeClr>
-              </a:solidFill>
-              <a:latin typeface="Consolas" panose="020B0609020204030204" pitchFamily="49" charset="0"/>
-              <a:cs typeface="Consolas" panose="020B0609020204030204" pitchFamily="49" charset="0"/>
-            </a:endParaRPr>
-          </a:p>
-        </p:txBody>
-      </p:sp>
-      <p:sp>
-        <p:nvSpPr>
-          <p:cNvPr id="41" name="Textfeld 40">
-            <a:extLst>
-              <a:ext uri="{FF2B5EF4-FFF2-40B4-BE49-F238E27FC236}">
-                <a16:creationId xmlns:a16="http://schemas.microsoft.com/office/drawing/2014/main" id="{C6B6FC77-DE77-3448-A1B2-9E01D296E4A1}"/>
-              </a:ext>
-            </a:extLst>
-          </p:cNvPr>
-          <p:cNvSpPr txBox="1"/>
-          <p:nvPr/>
-        </p:nvSpPr>
-        <p:spPr>
-          <a:xfrm>
-            <a:off x="4580465" y="3826379"/>
-            <a:ext cx="3949433" cy="461665"/>
-          </a:xfrm>
-          <a:prstGeom prst="rect">
-            <a:avLst/>
-          </a:prstGeom>
-          <a:noFill/>
-        </p:spPr>
-        <p:txBody>
-          <a:bodyPr wrap="square" rtlCol="0">
-            <a:spAutoFit/>
-          </a:bodyPr>
-          <a:lstStyle/>
-          <a:p>
-            <a:r>
-              <a:rPr lang="de-DE" sz="2400" dirty="0"/>
-              <a:t>LIFO: Last In, First Out</a:t>
-            </a:r>
-          </a:p>
-        </p:txBody>
-      </p:sp>
-      <p:cxnSp>
-        <p:nvCxnSpPr>
-          <p:cNvPr id="4" name="Gerade Verbindung mit Pfeil 3">
-            <a:extLst>
-              <a:ext uri="{FF2B5EF4-FFF2-40B4-BE49-F238E27FC236}">
-                <a16:creationId xmlns:a16="http://schemas.microsoft.com/office/drawing/2014/main" id="{B8CE536B-3E69-A444-B4CC-F175AEE13EEC}"/>
-              </a:ext>
-            </a:extLst>
-          </p:cNvPr>
-          <p:cNvCxnSpPr>
-            <a:cxnSpLocks/>
-          </p:cNvCxnSpPr>
-          <p:nvPr/>
-        </p:nvCxnSpPr>
-        <p:spPr>
-          <a:xfrm>
-            <a:off x="772686" y="5043876"/>
-            <a:ext cx="1078690" cy="0"/>
-          </a:xfrm>
-          <a:prstGeom prst="straightConnector1">
-            <a:avLst/>
-          </a:prstGeom>
-          <a:ln w="57150">
-            <a:solidFill>
-              <a:schemeClr val="accent3"/>
-            </a:solidFill>
-            <a:tailEnd type="triangle"/>
-          </a:ln>
-        </p:spPr>
-        <p:style>
-          <a:lnRef idx="1">
-            <a:schemeClr val="accent1"/>
-          </a:lnRef>
-          <a:fillRef idx="0">
-            <a:schemeClr val="accent1"/>
-          </a:fillRef>
-          <a:effectRef idx="0">
-            <a:schemeClr val="accent1"/>
-          </a:effectRef>
-          <a:fontRef idx="minor">
-            <a:schemeClr val="tx1"/>
-          </a:fontRef>
-        </p:style>
-      </p:cxnSp>
-      <p:sp>
-        <p:nvSpPr>
-          <p:cNvPr id="15" name="Textfeld 14">
-            <a:extLst>
-              <a:ext uri="{FF2B5EF4-FFF2-40B4-BE49-F238E27FC236}">
-                <a16:creationId xmlns:a16="http://schemas.microsoft.com/office/drawing/2014/main" id="{6ADE4714-7493-AD4C-B1AD-35C42EF9B869}"/>
-              </a:ext>
-            </a:extLst>
-          </p:cNvPr>
-          <p:cNvSpPr txBox="1"/>
-          <p:nvPr/>
-        </p:nvSpPr>
-        <p:spPr>
-          <a:xfrm>
-            <a:off x="971544" y="5087360"/>
-            <a:ext cx="652743" cy="369332"/>
-          </a:xfrm>
-          <a:prstGeom prst="rect">
-            <a:avLst/>
-          </a:prstGeom>
-          <a:noFill/>
-        </p:spPr>
-        <p:txBody>
-          <a:bodyPr wrap="none" rtlCol="0">
-            <a:spAutoFit/>
-          </a:bodyPr>
-          <a:lstStyle/>
-          <a:p>
-            <a:r>
-              <a:rPr lang="de-DE" dirty="0"/>
-              <a:t>Push</a:t>
-            </a:r>
-          </a:p>
-        </p:txBody>
-      </p:sp>
-      <p:sp>
-        <p:nvSpPr>
-          <p:cNvPr id="48" name="Textfeld 47">
-            <a:extLst>
-              <a:ext uri="{FF2B5EF4-FFF2-40B4-BE49-F238E27FC236}">
-                <a16:creationId xmlns:a16="http://schemas.microsoft.com/office/drawing/2014/main" id="{36FA8D47-D877-0E42-A6C3-A4B9125332BF}"/>
-              </a:ext>
-            </a:extLst>
-          </p:cNvPr>
-          <p:cNvSpPr txBox="1"/>
-          <p:nvPr/>
-        </p:nvSpPr>
-        <p:spPr>
-          <a:xfrm>
-            <a:off x="1021699" y="4119817"/>
-            <a:ext cx="551241" cy="369332"/>
-          </a:xfrm>
-          <a:prstGeom prst="rect">
-            <a:avLst/>
-          </a:prstGeom>
-          <a:noFill/>
-        </p:spPr>
-        <p:txBody>
-          <a:bodyPr wrap="none" rtlCol="0">
-            <a:spAutoFit/>
-          </a:bodyPr>
-          <a:lstStyle/>
-          <a:p>
-            <a:r>
-              <a:rPr lang="de-DE" dirty="0"/>
-              <a:t>Pop</a:t>
-            </a:r>
-          </a:p>
-        </p:txBody>
-      </p:sp>
-      <p:cxnSp>
-        <p:nvCxnSpPr>
-          <p:cNvPr id="30" name="Gerade Verbindung mit Pfeil 29">
-            <a:extLst>
-              <a:ext uri="{FF2B5EF4-FFF2-40B4-BE49-F238E27FC236}">
-                <a16:creationId xmlns:a16="http://schemas.microsoft.com/office/drawing/2014/main" id="{1585FF5E-E2C2-1C45-8F1E-3F7C2B6E641A}"/>
-              </a:ext>
-            </a:extLst>
-          </p:cNvPr>
-          <p:cNvCxnSpPr>
-            <a:cxnSpLocks/>
-          </p:cNvCxnSpPr>
-          <p:nvPr/>
-        </p:nvCxnSpPr>
-        <p:spPr>
-          <a:xfrm rot="10800000">
-            <a:off x="738729" y="4504298"/>
-            <a:ext cx="1078690" cy="0"/>
-          </a:xfrm>
-          <a:prstGeom prst="straightConnector1">
-            <a:avLst/>
-          </a:prstGeom>
-          <a:ln w="57150">
-            <a:solidFill>
-              <a:srgbClr val="C00000"/>
-            </a:solidFill>
-            <a:tailEnd type="triangle"/>
-          </a:ln>
-        </p:spPr>
-        <p:style>
-          <a:lnRef idx="1">
-            <a:schemeClr val="accent1"/>
-          </a:lnRef>
-          <a:fillRef idx="0">
-            <a:schemeClr val="accent1"/>
-          </a:fillRef>
-          <a:effectRef idx="0">
-            <a:schemeClr val="accent1"/>
-          </a:effectRef>
-          <a:fontRef idx="minor">
-            <a:schemeClr val="tx1"/>
-          </a:fontRef>
-        </p:style>
-      </p:cxnSp>
-    </p:spTree>
-    <p:extLst>
-      <p:ext uri="{BB962C8B-B14F-4D97-AF65-F5344CB8AC3E}">
-        <p14:creationId xmlns:p14="http://schemas.microsoft.com/office/powerpoint/2010/main" val="2914484689"/>
-      </p:ext>
-    </p:extLst>
-  </p:cSld>
-  <p:clrMapOvr>
-    <a:masterClrMapping/>
-  </p:clrMapOvr>
-  <p:timing>
-    <p:tnLst>
-      <p:par>
-        <p:cTn id="1" dur="indefinite" restart="never" nodeType="tmRoot">
-          <p:childTnLst>
-            <p:seq concurrent="1" nextAc="seek">
-              <p:cTn id="2" dur="indefinite" nodeType="mainSeq">
-                <p:childTnLst>
-                  <p:par>
-                    <p:cTn id="3" fill="hold">
-                      <p:stCondLst>
-                        <p:cond delay="indefinite"/>
-                      </p:stCondLst>
-                      <p:childTnLst>
-                        <p:par>
-                          <p:cTn id="4" fill="hold">
-                            <p:stCondLst>
-                              <p:cond delay="0"/>
-                            </p:stCondLst>
-                            <p:childTnLst>
-                              <p:par>
-                                <p:cTn id="5" presetID="10" presetClass="entr" presetSubtype="0" fill="hold" nodeType="clickEffect">
-                                  <p:stCondLst>
-                                    <p:cond delay="0"/>
-                                  </p:stCondLst>
-                                  <p:childTnLst>
-                                    <p:set>
-                                      <p:cBhvr>
-                                        <p:cTn id="6" dur="1" fill="hold">
-                                          <p:stCondLst>
-                                            <p:cond delay="0"/>
-                                          </p:stCondLst>
-                                        </p:cTn>
-                                        <p:tgtEl>
-                                          <p:spTgt spid="6">
-                                            <p:txEl>
-                                              <p:pRg st="0" end="0"/>
-                                            </p:txEl>
-                                          </p:spTgt>
-                                        </p:tgtEl>
-                                        <p:attrNameLst>
-                                          <p:attrName>style.visibility</p:attrName>
-                                        </p:attrNameLst>
-                                      </p:cBhvr>
-                                      <p:to>
-                                        <p:strVal val="visible"/>
-                                      </p:to>
-                                    </p:set>
-                                    <p:animEffect transition="in" filter="fade">
-                                      <p:cBhvr>
-                                        <p:cTn id="7" dur="500"/>
-                                        <p:tgtEl>
-                                          <p:spTgt spid="6">
-                                            <p:txEl>
-                                              <p:pRg st="0" end="0"/>
-                                            </p:txEl>
-                                          </p:spTgt>
-                                        </p:tgtEl>
-                                      </p:cBhvr>
-                                    </p:animEffect>
-                                  </p:childTnLst>
-                                </p:cTn>
-                              </p:par>
-                            </p:childTnLst>
-                          </p:cTn>
-                        </p:par>
-                      </p:childTnLst>
-                    </p:cTn>
-                  </p:par>
-                </p:childTnLst>
-              </p:cTn>
-              <p:prevCondLst>
-                <p:cond evt="onPrev" delay="0">
-                  <p:tgtEl>
-                    <p:sldTgt/>
-                  </p:tgtEl>
-                </p:cond>
-              </p:prevCondLst>
-              <p:nextCondLst>
-                <p:cond evt="onNext" delay="0">
-                  <p:tgtEl>
-                    <p:sldTgt/>
-                  </p:tgtEl>
-                </p:cond>
-              </p:nextCondLst>
-            </p:seq>
-          </p:childTnLst>
-        </p:cTn>
-      </p:par>
-    </p:tnLst>
-  </p:timing>
-</p:sld>
-</file>
-
 <file path=ppt/theme/theme1.xml><?xml version="1.0" encoding="utf-8"?>
 <a:theme xmlns:a="http://schemas.openxmlformats.org/drawingml/2006/main" name="Tiefe">
   <a:themeElements>
